--- a/man/figures/workflow.pptx
+++ b/man/figures/workflow.pptx
@@ -107,6 +107,11 @@
       </a:defRPr>
     </a:lvl9pPr>
   </p:defaultTextStyle>
+  <p:extLst>
+    <p:ext uri="{EFAFB233-063F-42B5-8137-9DF3F51BA10A}">
+      <p15:sldGuideLst xmlns:p15="http://schemas.microsoft.com/office/powerpoint/2012/main"/>
+    </p:ext>
+  </p:extLst>
 </p:presentation>
 </file>
 
@@ -3771,7 +3776,7 @@
         </p:nvSpPr>
         <p:spPr>
           <a:xfrm>
-            <a:off x="1295109" y="2076753"/>
+            <a:off x="1393982" y="2076753"/>
             <a:ext cx="2011680" cy="914400"/>
           </a:xfrm>
           <a:prstGeom prst="rect">
@@ -3779,7 +3784,7 @@
           </a:prstGeom>
           <a:solidFill>
             <a:srgbClr val="40612E">
-              <a:alpha val="50000"/>
+              <a:alpha val="40000"/>
             </a:srgbClr>
           </a:solidFill>
           <a:ln>
@@ -3807,7 +3812,7 @@
           <a:lstStyle/>
           <a:p>
             <a:r>
-              <a:rPr lang="en-US" sz="2000" dirty="0">
+              <a:rPr lang="en-US" sz="1600" dirty="0">
                 <a:solidFill>
                   <a:schemeClr val="tx1"/>
                 </a:solidFill>
@@ -3833,7 +3838,7 @@
         </p:nvSpPr>
         <p:spPr>
           <a:xfrm>
-            <a:off x="1295109" y="3183670"/>
+            <a:off x="1393982" y="3183670"/>
             <a:ext cx="2011680" cy="914400"/>
           </a:xfrm>
           <a:prstGeom prst="rect">
@@ -3841,7 +3846,7 @@
           </a:prstGeom>
           <a:solidFill>
             <a:srgbClr val="40612E">
-              <a:alpha val="50000"/>
+              <a:alpha val="40000"/>
             </a:srgbClr>
           </a:solidFill>
           <a:ln>
@@ -3869,7 +3874,7 @@
           <a:lstStyle/>
           <a:p>
             <a:r>
-              <a:rPr lang="en-US" sz="2000" dirty="0">
+              <a:rPr lang="en-US" sz="1600" dirty="0">
                 <a:solidFill>
                   <a:schemeClr val="tx1"/>
                 </a:solidFill>
@@ -3895,7 +3900,67 @@
         </p:nvSpPr>
         <p:spPr>
           <a:xfrm>
-            <a:off x="1295109" y="4290587"/>
+            <a:off x="1393982" y="4290587"/>
+            <a:ext cx="2011680" cy="914400"/>
+          </a:xfrm>
+          <a:prstGeom prst="rect">
+            <a:avLst/>
+          </a:prstGeom>
+          <a:solidFill>
+            <a:srgbClr val="40612E"/>
+          </a:solidFill>
+          <a:ln>
+            <a:noFill/>
+          </a:ln>
+        </p:spPr>
+        <p:style>
+          <a:lnRef idx="2">
+            <a:schemeClr val="accent1">
+              <a:shade val="50000"/>
+            </a:schemeClr>
+          </a:lnRef>
+          <a:fillRef idx="1">
+            <a:schemeClr val="accent1"/>
+          </a:fillRef>
+          <a:effectRef idx="0">
+            <a:schemeClr val="accent1"/>
+          </a:effectRef>
+          <a:fontRef idx="minor">
+            <a:schemeClr val="lt1"/>
+          </a:fontRef>
+        </p:style>
+        <p:txBody>
+          <a:bodyPr rtlCol="0" anchor="t"/>
+          <a:lstStyle/>
+          <a:p>
+            <a:r>
+              <a:rPr lang="en-US" sz="1600" dirty="0">
+                <a:solidFill>
+                  <a:schemeClr val="bg1"/>
+                </a:solidFill>
+                <a:latin typeface="Arial" panose="020B0604020202020204" pitchFamily="34" charset="0"/>
+                <a:cs typeface="Arial" panose="020B0604020202020204" pitchFamily="34" charset="0"/>
+              </a:rPr>
+              <a:t> Snapshot data</a:t>
+            </a:r>
+          </a:p>
+        </p:txBody>
+      </p:sp>
+      <p:sp>
+        <p:nvSpPr>
+          <p:cNvPr id="15" name="Rectangle 14">
+            <a:extLst>
+              <a:ext uri="{FF2B5EF4-FFF2-40B4-BE49-F238E27FC236}">
+                <a16:creationId xmlns:a16="http://schemas.microsoft.com/office/drawing/2014/main" id="{B5F40567-C6C3-B84B-A4B4-02F6611BAF8E}"/>
+              </a:ext>
+            </a:extLst>
+          </p:cNvPr>
+          <p:cNvSpPr/>
+          <p:nvPr/>
+        </p:nvSpPr>
+        <p:spPr>
+          <a:xfrm>
+            <a:off x="7602036" y="2093645"/>
             <a:ext cx="2011680" cy="914400"/>
           </a:xfrm>
           <a:prstGeom prst="rect">
@@ -3903,7 +3968,7 @@
           </a:prstGeom>
           <a:solidFill>
             <a:srgbClr val="40612E">
-              <a:alpha val="50000"/>
+              <a:alpha val="40000"/>
             </a:srgbClr>
           </a:solidFill>
           <a:ln>
@@ -3931,24 +3996,24 @@
           <a:lstStyle/>
           <a:p>
             <a:r>
-              <a:rPr lang="en-US" sz="2000" dirty="0">
+              <a:rPr lang="en-US" sz="1600" dirty="0">
                 <a:solidFill>
                   <a:schemeClr val="tx1"/>
                 </a:solidFill>
                 <a:latin typeface="Arial" panose="020B0604020202020204" pitchFamily="34" charset="0"/>
                 <a:cs typeface="Arial" panose="020B0604020202020204" pitchFamily="34" charset="0"/>
               </a:rPr>
-              <a:t> Snapshot data</a:t>
-            </a:r>
-          </a:p>
-        </p:txBody>
-      </p:sp>
-      <p:sp>
-        <p:nvSpPr>
-          <p:cNvPr id="15" name="Rectangle 14">
-            <a:extLst>
-              <a:ext uri="{FF2B5EF4-FFF2-40B4-BE49-F238E27FC236}">
-                <a16:creationId xmlns:a16="http://schemas.microsoft.com/office/drawing/2014/main" id="{B5F40567-C6C3-B84B-A4B4-02F6611BAF8E}"/>
+              <a:t> Check out code</a:t>
+            </a:r>
+          </a:p>
+        </p:txBody>
+      </p:sp>
+      <p:sp>
+        <p:nvSpPr>
+          <p:cNvPr id="16" name="Rectangle 15">
+            <a:extLst>
+              <a:ext uri="{FF2B5EF4-FFF2-40B4-BE49-F238E27FC236}">
+                <a16:creationId xmlns:a16="http://schemas.microsoft.com/office/drawing/2014/main" id="{063C9660-8D96-084A-91C1-74E02A2EA995}"/>
               </a:ext>
             </a:extLst>
           </p:cNvPr>
@@ -3957,7 +4022,67 @@
         </p:nvSpPr>
         <p:spPr>
           <a:xfrm>
-            <a:off x="7353785" y="2086149"/>
+            <a:off x="7602036" y="3209958"/>
+            <a:ext cx="2011680" cy="914400"/>
+          </a:xfrm>
+          <a:prstGeom prst="rect">
+            <a:avLst/>
+          </a:prstGeom>
+          <a:solidFill>
+            <a:srgbClr val="40612E"/>
+          </a:solidFill>
+          <a:ln>
+            <a:noFill/>
+          </a:ln>
+        </p:spPr>
+        <p:style>
+          <a:lnRef idx="2">
+            <a:schemeClr val="accent1">
+              <a:shade val="50000"/>
+            </a:schemeClr>
+          </a:lnRef>
+          <a:fillRef idx="1">
+            <a:schemeClr val="accent1"/>
+          </a:fillRef>
+          <a:effectRef idx="0">
+            <a:schemeClr val="accent1"/>
+          </a:effectRef>
+          <a:fontRef idx="minor">
+            <a:schemeClr val="lt1"/>
+          </a:fontRef>
+        </p:style>
+        <p:txBody>
+          <a:bodyPr rtlCol="0" anchor="t"/>
+          <a:lstStyle/>
+          <a:p>
+            <a:r>
+              <a:rPr lang="en-US" sz="1600" dirty="0">
+                <a:solidFill>
+                  <a:schemeClr val="bg1"/>
+                </a:solidFill>
+                <a:latin typeface="Arial" panose="020B0604020202020204" pitchFamily="34" charset="0"/>
+                <a:cs typeface="Arial" panose="020B0604020202020204" pitchFamily="34" charset="0"/>
+              </a:rPr>
+              <a:t> Check out data</a:t>
+            </a:r>
+          </a:p>
+        </p:txBody>
+      </p:sp>
+      <p:sp>
+        <p:nvSpPr>
+          <p:cNvPr id="17" name="Rectangle 16">
+            <a:extLst>
+              <a:ext uri="{FF2B5EF4-FFF2-40B4-BE49-F238E27FC236}">
+                <a16:creationId xmlns:a16="http://schemas.microsoft.com/office/drawing/2014/main" id="{5F8E2B59-B204-B846-A176-45DB19724B97}"/>
+              </a:ext>
+            </a:extLst>
+          </p:cNvPr>
+          <p:cNvSpPr/>
+          <p:nvPr/>
+        </p:nvSpPr>
+        <p:spPr>
+          <a:xfrm>
+            <a:off x="1393982" y="969836"/>
             <a:ext cx="2011680" cy="914400"/>
           </a:xfrm>
           <a:prstGeom prst="rect">
@@ -3965,7 +4090,7 @@
           </a:prstGeom>
           <a:solidFill>
             <a:srgbClr val="40612E">
-              <a:alpha val="50000"/>
+              <a:alpha val="40000"/>
             </a:srgbClr>
           </a:solidFill>
           <a:ln>
@@ -3993,24 +4118,24 @@
           <a:lstStyle/>
           <a:p>
             <a:r>
-              <a:rPr lang="en-US" sz="2000" dirty="0">
+              <a:rPr lang="en-US" sz="1600" dirty="0">
                 <a:solidFill>
                   <a:schemeClr val="tx1"/>
                 </a:solidFill>
                 <a:latin typeface="Arial" panose="020B0604020202020204" pitchFamily="34" charset="0"/>
                 <a:cs typeface="Arial" panose="020B0604020202020204" pitchFamily="34" charset="0"/>
               </a:rPr>
-              <a:t> Checkout code</a:t>
-            </a:r>
-          </a:p>
-        </p:txBody>
-      </p:sp>
-      <p:sp>
-        <p:nvSpPr>
-          <p:cNvPr id="16" name="Rectangle 15">
-            <a:extLst>
-              <a:ext uri="{FF2B5EF4-FFF2-40B4-BE49-F238E27FC236}">
-                <a16:creationId xmlns:a16="http://schemas.microsoft.com/office/drawing/2014/main" id="{063C9660-8D96-084A-91C1-74E02A2EA995}"/>
+              <a:t> Write code</a:t>
+            </a:r>
+          </a:p>
+        </p:txBody>
+      </p:sp>
+      <p:sp>
+        <p:nvSpPr>
+          <p:cNvPr id="18" name="Down Arrow 17">
+            <a:extLst>
+              <a:ext uri="{FF2B5EF4-FFF2-40B4-BE49-F238E27FC236}">
+                <a16:creationId xmlns:a16="http://schemas.microsoft.com/office/drawing/2014/main" id="{23F00270-C52D-7D4D-9507-1299997B46E2}"/>
               </a:ext>
             </a:extLst>
           </p:cNvPr>
@@ -4019,15 +4144,15 @@
         </p:nvSpPr>
         <p:spPr>
           <a:xfrm>
-            <a:off x="7353785" y="3202462"/>
-            <a:ext cx="2011680" cy="914400"/>
+            <a:off x="180540" y="977332"/>
+            <a:ext cx="1027134" cy="2946168"/>
           </a:xfrm>
-          <a:prstGeom prst="rect">
+          <a:prstGeom prst="downArrow">
             <a:avLst/>
           </a:prstGeom>
           <a:solidFill>
             <a:srgbClr val="40612E">
-              <a:alpha val="50000"/>
+              <a:alpha val="40000"/>
             </a:srgbClr>
           </a:solidFill>
           <a:ln>
@@ -4051,28 +4176,26 @@
           </a:fontRef>
         </p:style>
         <p:txBody>
-          <a:bodyPr rtlCol="0" anchor="t"/>
-          <a:lstStyle/>
-          <a:p>
-            <a:r>
-              <a:rPr lang="en-US" sz="2000" dirty="0">
-                <a:solidFill>
-                  <a:schemeClr val="tx1"/>
-                </a:solidFill>
-                <a:latin typeface="Arial" panose="020B0604020202020204" pitchFamily="34" charset="0"/>
-                <a:cs typeface="Arial" panose="020B0604020202020204" pitchFamily="34" charset="0"/>
-              </a:rPr>
-              <a:t> Checkout data</a:t>
-            </a:r>
-          </a:p>
-        </p:txBody>
-      </p:sp>
-      <p:sp>
-        <p:nvSpPr>
-          <p:cNvPr id="17" name="Rectangle 16">
-            <a:extLst>
-              <a:ext uri="{FF2B5EF4-FFF2-40B4-BE49-F238E27FC236}">
-                <a16:creationId xmlns:a16="http://schemas.microsoft.com/office/drawing/2014/main" id="{5F8E2B59-B204-B846-A176-45DB19724B97}"/>
+          <a:bodyPr rtlCol="0" anchor="ctr"/>
+          <a:lstStyle/>
+          <a:p>
+            <a:pPr algn="ctr"/>
+            <a:endParaRPr lang="en-US" sz="1600" dirty="0">
+              <a:solidFill>
+                <a:schemeClr val="bg1"/>
+              </a:solidFill>
+              <a:latin typeface="Arial" panose="020B0604020202020204" pitchFamily="34" charset="0"/>
+              <a:cs typeface="Arial" panose="020B0604020202020204" pitchFamily="34" charset="0"/>
+            </a:endParaRPr>
+          </a:p>
+        </p:txBody>
+      </p:sp>
+      <p:sp>
+        <p:nvSpPr>
+          <p:cNvPr id="19" name="Down Arrow 18">
+            <a:extLst>
+              <a:ext uri="{FF2B5EF4-FFF2-40B4-BE49-F238E27FC236}">
+                <a16:creationId xmlns:a16="http://schemas.microsoft.com/office/drawing/2014/main" id="{12D76742-22C0-E54A-AB1C-E05C48DABB2E}"/>
               </a:ext>
             </a:extLst>
           </p:cNvPr>
@@ -4081,15 +4204,15 @@
         </p:nvSpPr>
         <p:spPr>
           <a:xfrm>
-            <a:off x="1295109" y="969836"/>
-            <a:ext cx="2011680" cy="914400"/>
+            <a:off x="6381002" y="969836"/>
+            <a:ext cx="1027134" cy="1897729"/>
           </a:xfrm>
-          <a:prstGeom prst="rect">
+          <a:prstGeom prst="downArrow">
             <a:avLst/>
           </a:prstGeom>
           <a:solidFill>
             <a:srgbClr val="40612E">
-              <a:alpha val="50000"/>
+              <a:alpha val="40000"/>
             </a:srgbClr>
           </a:solidFill>
           <a:ln>
@@ -4113,28 +4236,86 @@
           </a:fontRef>
         </p:style>
         <p:txBody>
-          <a:bodyPr rtlCol="0" anchor="t"/>
-          <a:lstStyle/>
-          <a:p>
-            <a:r>
-              <a:rPr lang="en-US" sz="2000" dirty="0">
+          <a:bodyPr rtlCol="0" anchor="ctr"/>
+          <a:lstStyle/>
+          <a:p>
+            <a:pPr algn="ctr"/>
+            <a:endParaRPr lang="en-US" sz="1600" dirty="0">
+              <a:solidFill>
+                <a:schemeClr val="bg1"/>
+              </a:solidFill>
+              <a:latin typeface="Arial" panose="020B0604020202020204" pitchFamily="34" charset="0"/>
+              <a:cs typeface="Arial" panose="020B0604020202020204" pitchFamily="34" charset="0"/>
+            </a:endParaRPr>
+          </a:p>
+        </p:txBody>
+      </p:sp>
+      <p:sp>
+        <p:nvSpPr>
+          <p:cNvPr id="29" name="Rectangle 28">
+            <a:extLst>
+              <a:ext uri="{FF2B5EF4-FFF2-40B4-BE49-F238E27FC236}">
+                <a16:creationId xmlns:a16="http://schemas.microsoft.com/office/drawing/2014/main" id="{85BC72EB-F810-9F43-BAB4-06DF3C57F5AC}"/>
+              </a:ext>
+            </a:extLst>
+          </p:cNvPr>
+          <p:cNvSpPr/>
+          <p:nvPr/>
+        </p:nvSpPr>
+        <p:spPr>
+          <a:xfrm>
+            <a:off x="437029" y="350447"/>
+            <a:ext cx="5452237" cy="444819"/>
+          </a:xfrm>
+          <a:prstGeom prst="rect">
+            <a:avLst/>
+          </a:prstGeom>
+          <a:solidFill>
+            <a:srgbClr val="505059"/>
+          </a:solidFill>
+          <a:ln>
+            <a:noFill/>
+          </a:ln>
+        </p:spPr>
+        <p:style>
+          <a:lnRef idx="2">
+            <a:schemeClr val="accent1">
+              <a:shade val="50000"/>
+            </a:schemeClr>
+          </a:lnRef>
+          <a:fillRef idx="1">
+            <a:schemeClr val="accent1"/>
+          </a:fillRef>
+          <a:effectRef idx="0">
+            <a:schemeClr val="accent1"/>
+          </a:effectRef>
+          <a:fontRef idx="minor">
+            <a:schemeClr val="lt1"/>
+          </a:fontRef>
+        </p:style>
+        <p:txBody>
+          <a:bodyPr rtlCol="0" anchor="ctr"/>
+          <a:lstStyle/>
+          <a:p>
+            <a:r>
+              <a:rPr lang="en-US" sz="1600" dirty="0">
                 <a:solidFill>
-                  <a:schemeClr val="tx1"/>
+                  <a:schemeClr val="bg1"/>
                 </a:solidFill>
                 <a:latin typeface="Arial" panose="020B0604020202020204" pitchFamily="34" charset="0"/>
                 <a:cs typeface="Arial" panose="020B0604020202020204" pitchFamily="34" charset="0"/>
               </a:rPr>
-              <a:t> Write code</a:t>
-            </a:r>
-          </a:p>
-        </p:txBody>
-      </p:sp>
-      <p:sp>
-        <p:nvSpPr>
-          <p:cNvPr id="18" name="Down Arrow 17">
-            <a:extLst>
-              <a:ext uri="{FF2B5EF4-FFF2-40B4-BE49-F238E27FC236}">
-                <a16:creationId xmlns:a16="http://schemas.microsoft.com/office/drawing/2014/main" id="{23F00270-C52D-7D4D-9507-1299997B46E2}"/>
+              <a:t> Development</a:t>
+            </a:r>
+          </a:p>
+        </p:txBody>
+      </p:sp>
+      <p:sp>
+        <p:nvSpPr>
+          <p:cNvPr id="31" name="Rectangle 30">
+            <a:extLst>
+              <a:ext uri="{FF2B5EF4-FFF2-40B4-BE49-F238E27FC236}">
+                <a16:creationId xmlns:a16="http://schemas.microsoft.com/office/drawing/2014/main" id="{BC56C022-39C8-C446-8D36-3447C0442198}"/>
               </a:ext>
             </a:extLst>
           </p:cNvPr>
@@ -4143,15 +4324,82 @@
         </p:nvSpPr>
         <p:spPr>
           <a:xfrm>
-            <a:off x="195308" y="969836"/>
-            <a:ext cx="1027134" cy="4235151"/>
+            <a:off x="6629400" y="350447"/>
+            <a:ext cx="5501436" cy="444819"/>
           </a:xfrm>
-          <a:prstGeom prst="downArrow">
+          <a:prstGeom prst="rect">
             <a:avLst/>
           </a:prstGeom>
           <a:solidFill>
-            <a:srgbClr val="40612E">
-              <a:alpha val="50000"/>
+            <a:srgbClr val="505059"/>
+          </a:solidFill>
+          <a:ln>
+            <a:noFill/>
+          </a:ln>
+        </p:spPr>
+        <p:style>
+          <a:lnRef idx="2">
+            <a:schemeClr val="accent1">
+              <a:shade val="50000"/>
+            </a:schemeClr>
+          </a:lnRef>
+          <a:fillRef idx="1">
+            <a:schemeClr val="accent1"/>
+          </a:fillRef>
+          <a:effectRef idx="0">
+            <a:schemeClr val="accent1"/>
+          </a:effectRef>
+          <a:fontRef idx="minor">
+            <a:schemeClr val="lt1"/>
+          </a:fontRef>
+        </p:style>
+        <p:txBody>
+          <a:bodyPr rtlCol="0" anchor="ctr"/>
+          <a:lstStyle/>
+          <a:p>
+            <a:r>
+              <a:rPr lang="en-US" sz="1600">
+                <a:solidFill>
+                  <a:schemeClr val="bg1"/>
+                </a:solidFill>
+                <a:latin typeface="Arial" panose="020B0604020202020204" pitchFamily="34" charset="0"/>
+                <a:cs typeface="Arial" panose="020B0604020202020204" pitchFamily="34" charset="0"/>
+              </a:rPr>
+              <a:t> Transitions</a:t>
+            </a:r>
+            <a:endParaRPr lang="en-US" sz="1600" dirty="0">
+              <a:solidFill>
+                <a:schemeClr val="bg1"/>
+              </a:solidFill>
+              <a:latin typeface="Arial" panose="020B0604020202020204" pitchFamily="34" charset="0"/>
+              <a:cs typeface="Arial" panose="020B0604020202020204" pitchFamily="34" charset="0"/>
+            </a:endParaRPr>
+          </a:p>
+        </p:txBody>
+      </p:sp>
+      <p:sp>
+        <p:nvSpPr>
+          <p:cNvPr id="32" name="Rectangle 31">
+            <a:extLst>
+              <a:ext uri="{FF2B5EF4-FFF2-40B4-BE49-F238E27FC236}">
+                <a16:creationId xmlns:a16="http://schemas.microsoft.com/office/drawing/2014/main" id="{4CFC46A4-AE9B-C34A-82FD-18223594963C}"/>
+              </a:ext>
+            </a:extLst>
+          </p:cNvPr>
+          <p:cNvSpPr/>
+          <p:nvPr/>
+        </p:nvSpPr>
+        <p:spPr>
+          <a:xfrm>
+            <a:off x="3603699" y="969836"/>
+            <a:ext cx="2285567" cy="914400"/>
+          </a:xfrm>
+          <a:prstGeom prst="rect">
+            <a:avLst/>
+          </a:prstGeom>
+          <a:solidFill>
+            <a:srgbClr val="8F653C">
+              <a:alpha val="40000"/>
             </a:srgbClr>
           </a:solidFill>
           <a:ln>
@@ -4175,26 +4423,40 @@
           </a:fontRef>
         </p:style>
         <p:txBody>
-          <a:bodyPr rtlCol="0" anchor="ctr"/>
-          <a:lstStyle/>
-          <a:p>
-            <a:pPr algn="ctr"/>
-            <a:endParaRPr lang="en-US" dirty="0">
-              <a:solidFill>
-                <a:schemeClr val="tx1"/>
-              </a:solidFill>
-              <a:latin typeface="Arial" panose="020B0604020202020204" pitchFamily="34" charset="0"/>
-              <a:cs typeface="Arial" panose="020B0604020202020204" pitchFamily="34" charset="0"/>
-            </a:endParaRPr>
-          </a:p>
-        </p:txBody>
-      </p:sp>
-      <p:sp>
-        <p:nvSpPr>
-          <p:cNvPr id="19" name="Down Arrow 18">
-            <a:extLst>
-              <a:ext uri="{FF2B5EF4-FFF2-40B4-BE49-F238E27FC236}">
-                <a16:creationId xmlns:a16="http://schemas.microsoft.com/office/drawing/2014/main" id="{12D76742-22C0-E54A-AB1C-E05C48DABB2E}"/>
+          <a:bodyPr rtlCol="0" anchor="t"/>
+          <a:lstStyle/>
+          <a:p>
+            <a:r>
+              <a:rPr lang="en-US" sz="1600" dirty="0">
+                <a:solidFill>
+                  <a:schemeClr val="tx1"/>
+                </a:solidFill>
+                <a:latin typeface="Arial" panose="020B0604020202020204" pitchFamily="34" charset="0"/>
+                <a:cs typeface="Arial" panose="020B0604020202020204" pitchFamily="34" charset="0"/>
+              </a:rPr>
+              <a:t>RStudio</a:t>
+            </a:r>
+          </a:p>
+          <a:p>
+            <a:r>
+              <a:rPr lang="en-US" sz="1600" dirty="0">
+                <a:solidFill>
+                  <a:schemeClr val="tx1"/>
+                </a:solidFill>
+                <a:latin typeface="Arial" panose="020B0604020202020204" pitchFamily="34" charset="0"/>
+                <a:cs typeface="Arial" panose="020B0604020202020204" pitchFamily="34" charset="0"/>
+              </a:rPr>
+              <a:t>VS Code</a:t>
+            </a:r>
+          </a:p>
+        </p:txBody>
+      </p:sp>
+      <p:sp>
+        <p:nvSpPr>
+          <p:cNvPr id="35" name="Rectangle 34">
+            <a:extLst>
+              <a:ext uri="{FF2B5EF4-FFF2-40B4-BE49-F238E27FC236}">
+                <a16:creationId xmlns:a16="http://schemas.microsoft.com/office/drawing/2014/main" id="{D335F324-38C4-D14C-8318-102538BE0AAE}"/>
               </a:ext>
             </a:extLst>
           </p:cNvPr>
@@ -4203,15 +4465,15 @@
         </p:nvSpPr>
         <p:spPr>
           <a:xfrm>
-            <a:off x="6255092" y="969837"/>
-            <a:ext cx="1027134" cy="3128233"/>
+            <a:off x="3603698" y="2076753"/>
+            <a:ext cx="2285568" cy="914400"/>
           </a:xfrm>
-          <a:prstGeom prst="downArrow">
+          <a:prstGeom prst="rect">
             <a:avLst/>
           </a:prstGeom>
           <a:solidFill>
-            <a:srgbClr val="40612E">
-              <a:alpha val="50000"/>
+            <a:srgbClr val="8F653C">
+              <a:alpha val="40000"/>
             </a:srgbClr>
           </a:solidFill>
           <a:ln>
@@ -4235,26 +4497,40 @@
           </a:fontRef>
         </p:style>
         <p:txBody>
-          <a:bodyPr rtlCol="0" anchor="ctr"/>
-          <a:lstStyle/>
-          <a:p>
-            <a:pPr algn="ctr"/>
-            <a:endParaRPr lang="en-US" dirty="0">
-              <a:solidFill>
-                <a:schemeClr val="tx1"/>
-              </a:solidFill>
-              <a:latin typeface="Arial" panose="020B0604020202020204" pitchFamily="34" charset="0"/>
-              <a:cs typeface="Arial" panose="020B0604020202020204" pitchFamily="34" charset="0"/>
-            </a:endParaRPr>
-          </a:p>
-        </p:txBody>
-      </p:sp>
-      <p:sp>
-        <p:nvSpPr>
-          <p:cNvPr id="29" name="Rectangle 28">
-            <a:extLst>
-              <a:ext uri="{FF2B5EF4-FFF2-40B4-BE49-F238E27FC236}">
-                <a16:creationId xmlns:a16="http://schemas.microsoft.com/office/drawing/2014/main" id="{85BC72EB-F810-9F43-BAB4-06DF3C57F5AC}"/>
+          <a:bodyPr rtlCol="0" anchor="t"/>
+          <a:lstStyle/>
+          <a:p>
+            <a:r>
+              <a:rPr lang="en-US" sz="1600" dirty="0">
+                <a:solidFill>
+                  <a:schemeClr val="tx1"/>
+                </a:solidFill>
+                <a:latin typeface="Arial" panose="020B0604020202020204" pitchFamily="34" charset="0"/>
+                <a:cs typeface="Arial" panose="020B0604020202020204" pitchFamily="34" charset="0"/>
+              </a:rPr>
+              <a:t>Git</a:t>
+            </a:r>
+          </a:p>
+          <a:p>
+            <a:r>
+              <a:rPr lang="en-US" sz="1600" dirty="0">
+                <a:solidFill>
+                  <a:schemeClr val="tx1"/>
+                </a:solidFill>
+                <a:latin typeface="Arial" panose="020B0604020202020204" pitchFamily="34" charset="0"/>
+                <a:cs typeface="Arial" panose="020B0604020202020204" pitchFamily="34" charset="0"/>
+              </a:rPr>
+              <a:t>{gert}</a:t>
+            </a:r>
+          </a:p>
+        </p:txBody>
+      </p:sp>
+      <p:sp>
+        <p:nvSpPr>
+          <p:cNvPr id="36" name="Rectangle 35">
+            <a:extLst>
+              <a:ext uri="{FF2B5EF4-FFF2-40B4-BE49-F238E27FC236}">
+                <a16:creationId xmlns:a16="http://schemas.microsoft.com/office/drawing/2014/main" id="{E4B1F682-D39B-D644-BEDE-3677B5D6B6E1}"/>
               </a:ext>
             </a:extLst>
           </p:cNvPr>
@@ -4263,15 +4539,15 @@
         </p:nvSpPr>
         <p:spPr>
           <a:xfrm>
-            <a:off x="429589" y="245517"/>
-            <a:ext cx="5360804" cy="444819"/>
+            <a:off x="3603699" y="3183670"/>
+            <a:ext cx="2285568" cy="914400"/>
           </a:xfrm>
           <a:prstGeom prst="rect">
             <a:avLst/>
           </a:prstGeom>
           <a:solidFill>
-            <a:srgbClr val="505059">
-              <a:alpha val="50000"/>
+            <a:srgbClr val="8F653C">
+              <a:alpha val="40000"/>
             </a:srgbClr>
           </a:solidFill>
           <a:ln>
@@ -4295,28 +4571,52 @@
           </a:fontRef>
         </p:style>
         <p:txBody>
-          <a:bodyPr rtlCol="0" anchor="ctr"/>
-          <a:lstStyle/>
-          <a:p>
-            <a:r>
-              <a:rPr lang="en-US" sz="2000" dirty="0">
+          <a:bodyPr rtlCol="0" anchor="t"/>
+          <a:lstStyle/>
+          <a:p>
+            <a:r>
+              <a:rPr lang="en-US" sz="1600" dirty="0">
                 <a:solidFill>
                   <a:schemeClr val="tx1"/>
                 </a:solidFill>
                 <a:latin typeface="Arial" panose="020B0604020202020204" pitchFamily="34" charset="0"/>
                 <a:cs typeface="Arial" panose="020B0604020202020204" pitchFamily="34" charset="0"/>
               </a:rPr>
-              <a:t> Development</a:t>
-            </a:r>
-          </a:p>
-        </p:txBody>
-      </p:sp>
-      <p:sp>
-        <p:nvSpPr>
-          <p:cNvPr id="31" name="Rectangle 30">
-            <a:extLst>
-              <a:ext uri="{FF2B5EF4-FFF2-40B4-BE49-F238E27FC236}">
-                <a16:creationId xmlns:a16="http://schemas.microsoft.com/office/drawing/2014/main" id="{BC56C022-39C8-C446-8D36-3447C0442198}"/>
+              <a:t>tar_make()</a:t>
+            </a:r>
+          </a:p>
+          <a:p>
+            <a:r>
+              <a:rPr lang="en-US" sz="1600" dirty="0">
+                <a:solidFill>
+                  <a:schemeClr val="tx1"/>
+                </a:solidFill>
+                <a:latin typeface="Arial" panose="020B0604020202020204" pitchFamily="34" charset="0"/>
+                <a:cs typeface="Arial" panose="020B0604020202020204" pitchFamily="34" charset="0"/>
+              </a:rPr>
+              <a:t>tar_make_future()</a:t>
+            </a:r>
+          </a:p>
+          <a:p>
+            <a:r>
+              <a:rPr lang="en-US" sz="1600" dirty="0">
+                <a:solidFill>
+                  <a:schemeClr val="tx1"/>
+                </a:solidFill>
+                <a:latin typeface="Arial" panose="020B0604020202020204" pitchFamily="34" charset="0"/>
+                <a:cs typeface="Arial" panose="020B0604020202020204" pitchFamily="34" charset="0"/>
+              </a:rPr>
+              <a:t>tar_make_clustermq()</a:t>
+            </a:r>
+          </a:p>
+        </p:txBody>
+      </p:sp>
+      <p:sp>
+        <p:nvSpPr>
+          <p:cNvPr id="37" name="Rectangle 36">
+            <a:extLst>
+              <a:ext uri="{FF2B5EF4-FFF2-40B4-BE49-F238E27FC236}">
+                <a16:creationId xmlns:a16="http://schemas.microsoft.com/office/drawing/2014/main" id="{5502E421-34DC-0A44-84D6-916078A10FE4}"/>
               </a:ext>
             </a:extLst>
           </p:cNvPr>
@@ -4325,15 +4625,15 @@
         </p:nvSpPr>
         <p:spPr>
           <a:xfrm>
-            <a:off x="6515057" y="245516"/>
-            <a:ext cx="5367528" cy="444819"/>
+            <a:off x="7602036" y="977332"/>
+            <a:ext cx="2011680" cy="914400"/>
           </a:xfrm>
           <a:prstGeom prst="rect">
             <a:avLst/>
           </a:prstGeom>
           <a:solidFill>
-            <a:srgbClr val="505059">
-              <a:alpha val="50000"/>
+            <a:srgbClr val="40612E">
+              <a:alpha val="40000"/>
             </a:srgbClr>
           </a:solidFill>
           <a:ln>
@@ -4357,28 +4657,28 @@
           </a:fontRef>
         </p:style>
         <p:txBody>
-          <a:bodyPr rtlCol="0" anchor="ctr"/>
-          <a:lstStyle/>
-          <a:p>
-            <a:r>
-              <a:rPr lang="en-US" sz="2000" dirty="0">
+          <a:bodyPr rtlCol="0" anchor="t"/>
+          <a:lstStyle/>
+          <a:p>
+            <a:r>
+              <a:rPr lang="en-US" sz="1600" dirty="0">
                 <a:solidFill>
                   <a:schemeClr val="tx1"/>
                 </a:solidFill>
                 <a:latin typeface="Arial" panose="020B0604020202020204" pitchFamily="34" charset="0"/>
                 <a:cs typeface="Arial" panose="020B0604020202020204" pitchFamily="34" charset="0"/>
               </a:rPr>
-              <a:t> Inspection</a:t>
-            </a:r>
-          </a:p>
-        </p:txBody>
-      </p:sp>
-      <p:sp>
-        <p:nvSpPr>
-          <p:cNvPr id="32" name="Rectangle 31">
-            <a:extLst>
-              <a:ext uri="{FF2B5EF4-FFF2-40B4-BE49-F238E27FC236}">
-                <a16:creationId xmlns:a16="http://schemas.microsoft.com/office/drawing/2014/main" id="{4CFC46A4-AE9B-C34A-82FD-18223594963C}"/>
+              <a:t> View log</a:t>
+            </a:r>
+          </a:p>
+        </p:txBody>
+      </p:sp>
+      <p:sp>
+        <p:nvSpPr>
+          <p:cNvPr id="38" name="Rectangle 37">
+            <a:extLst>
+              <a:ext uri="{FF2B5EF4-FFF2-40B4-BE49-F238E27FC236}">
+                <a16:creationId xmlns:a16="http://schemas.microsoft.com/office/drawing/2014/main" id="{0E0454CA-DA2C-1A44-AE0A-7A32CF29A413}"/>
               </a:ext>
             </a:extLst>
           </p:cNvPr>
@@ -4387,15 +4687,99 @@
         </p:nvSpPr>
         <p:spPr>
           <a:xfrm>
-            <a:off x="3504826" y="969836"/>
+            <a:off x="3610423" y="4290587"/>
             <a:ext cx="2285567" cy="914400"/>
           </a:xfrm>
           <a:prstGeom prst="rect">
             <a:avLst/>
           </a:prstGeom>
           <a:solidFill>
+            <a:srgbClr val="8F653C"/>
+          </a:solidFill>
+          <a:ln>
+            <a:noFill/>
+          </a:ln>
+        </p:spPr>
+        <p:style>
+          <a:lnRef idx="2">
+            <a:schemeClr val="accent1">
+              <a:shade val="50000"/>
+            </a:schemeClr>
+          </a:lnRef>
+          <a:fillRef idx="1">
+            <a:schemeClr val="accent1"/>
+          </a:fillRef>
+          <a:effectRef idx="0">
+            <a:schemeClr val="accent1"/>
+          </a:effectRef>
+          <a:fontRef idx="minor">
+            <a:schemeClr val="lt1"/>
+          </a:fontRef>
+        </p:style>
+        <p:txBody>
+          <a:bodyPr rtlCol="0" anchor="t"/>
+          <a:lstStyle/>
+          <a:p>
+            <a:r>
+              <a:rPr lang="en-US" sz="1600" dirty="0">
+                <a:solidFill>
+                  <a:schemeClr val="bg1"/>
+                </a:solidFill>
+                <a:latin typeface="Arial" panose="020B0604020202020204" pitchFamily="34" charset="0"/>
+                <a:cs typeface="Arial" panose="020B0604020202020204" pitchFamily="34" charset="0"/>
+              </a:rPr>
+              <a:t>tar_git_init()</a:t>
+            </a:r>
+          </a:p>
+          <a:p>
+            <a:r>
+              <a:rPr lang="en-US" sz="1600" dirty="0">
+                <a:solidFill>
+                  <a:schemeClr val="bg1"/>
+                </a:solidFill>
+                <a:latin typeface="Arial" panose="020B0604020202020204" pitchFamily="34" charset="0"/>
+                <a:cs typeface="Arial" panose="020B0604020202020204" pitchFamily="34" charset="0"/>
+              </a:rPr>
+              <a:t>tar_git_status()</a:t>
+            </a:r>
+          </a:p>
+          <a:p>
+            <a:r>
+              <a:rPr lang="en-US" sz="1600" dirty="0">
+                <a:solidFill>
+                  <a:schemeClr val="bg1"/>
+                </a:solidFill>
+                <a:latin typeface="Arial" panose="020B0604020202020204" pitchFamily="34" charset="0"/>
+                <a:cs typeface="Arial" panose="020B0604020202020204" pitchFamily="34" charset="0"/>
+              </a:rPr>
+              <a:t>tar_git_snapshot()</a:t>
+            </a:r>
+          </a:p>
+        </p:txBody>
+      </p:sp>
+      <p:sp>
+        <p:nvSpPr>
+          <p:cNvPr id="39" name="Rectangle 38">
+            <a:extLst>
+              <a:ext uri="{FF2B5EF4-FFF2-40B4-BE49-F238E27FC236}">
+                <a16:creationId xmlns:a16="http://schemas.microsoft.com/office/drawing/2014/main" id="{A3FFFA83-FA41-4147-AC60-0A46E3F4BA0D}"/>
+              </a:ext>
+            </a:extLst>
+          </p:cNvPr>
+          <p:cNvSpPr/>
+          <p:nvPr/>
+        </p:nvSpPr>
+        <p:spPr>
+          <a:xfrm>
+            <a:off x="9833279" y="977332"/>
+            <a:ext cx="2286000" cy="914400"/>
+          </a:xfrm>
+          <a:prstGeom prst="rect">
+            <a:avLst/>
+          </a:prstGeom>
+          <a:solidFill>
             <a:srgbClr val="8F653C">
-              <a:alpha val="50000"/>
+              <a:alpha val="40000"/>
             </a:srgbClr>
           </a:solidFill>
           <a:ln>
@@ -4430,29 +4814,17 @@
                 <a:latin typeface="Arial" panose="020B0604020202020204" pitchFamily="34" charset="0"/>
                 <a:cs typeface="Arial" panose="020B0604020202020204" pitchFamily="34" charset="0"/>
               </a:rPr>
-              <a:t>RStudio</a:t>
-            </a:r>
-          </a:p>
-          <a:p>
-            <a:r>
-              <a:rPr lang="en-US" sz="1600" dirty="0">
-                <a:solidFill>
-                  <a:schemeClr val="tx1"/>
-                </a:solidFill>
-                <a:latin typeface="Arial" panose="020B0604020202020204" pitchFamily="34" charset="0"/>
-                <a:cs typeface="Arial" panose="020B0604020202020204" pitchFamily="34" charset="0"/>
-              </a:rPr>
-              <a:t>VS Code</a:t>
-            </a:r>
-          </a:p>
-        </p:txBody>
-      </p:sp>
-      <p:sp>
-        <p:nvSpPr>
-          <p:cNvPr id="35" name="Rectangle 34">
-            <a:extLst>
-              <a:ext uri="{FF2B5EF4-FFF2-40B4-BE49-F238E27FC236}">
-                <a16:creationId xmlns:a16="http://schemas.microsoft.com/office/drawing/2014/main" id="{D335F324-38C4-D14C-8318-102538BE0AAE}"/>
+              <a:t>tar_git_log()</a:t>
+            </a:r>
+          </a:p>
+        </p:txBody>
+      </p:sp>
+      <p:sp>
+        <p:nvSpPr>
+          <p:cNvPr id="41" name="Rectangle 40">
+            <a:extLst>
+              <a:ext uri="{FF2B5EF4-FFF2-40B4-BE49-F238E27FC236}">
+                <a16:creationId xmlns:a16="http://schemas.microsoft.com/office/drawing/2014/main" id="{B412DD5E-E5DC-664B-A7BE-C9939EE687B6}"/>
               </a:ext>
             </a:extLst>
           </p:cNvPr>
@@ -4461,15 +4833,15 @@
         </p:nvSpPr>
         <p:spPr>
           <a:xfrm>
-            <a:off x="3504825" y="2076753"/>
-            <a:ext cx="2285568" cy="914400"/>
+            <a:off x="9833279" y="2093645"/>
+            <a:ext cx="2286000" cy="914400"/>
           </a:xfrm>
           <a:prstGeom prst="rect">
             <a:avLst/>
           </a:prstGeom>
           <a:solidFill>
             <a:srgbClr val="8F653C">
-              <a:alpha val="50000"/>
+              <a:alpha val="40000"/>
             </a:srgbClr>
           </a:solidFill>
           <a:ln>
@@ -4523,10 +4895,10 @@
       </p:sp>
       <p:sp>
         <p:nvSpPr>
-          <p:cNvPr id="36" name="Rectangle 35">
-            <a:extLst>
-              <a:ext uri="{FF2B5EF4-FFF2-40B4-BE49-F238E27FC236}">
-                <a16:creationId xmlns:a16="http://schemas.microsoft.com/office/drawing/2014/main" id="{E4B1F682-D39B-D644-BEDE-3677B5D6B6E1}"/>
+          <p:cNvPr id="42" name="Rectangle 41">
+            <a:extLst>
+              <a:ext uri="{FF2B5EF4-FFF2-40B4-BE49-F238E27FC236}">
+                <a16:creationId xmlns:a16="http://schemas.microsoft.com/office/drawing/2014/main" id="{18A95439-3CBB-F343-AF82-A425CAAEAEE5}"/>
               </a:ext>
             </a:extLst>
           </p:cNvPr>
@@ -4535,16 +4907,14 @@
         </p:nvSpPr>
         <p:spPr>
           <a:xfrm>
-            <a:off x="3504826" y="3183670"/>
-            <a:ext cx="2285568" cy="914400"/>
+            <a:off x="9833279" y="3209958"/>
+            <a:ext cx="2286000" cy="914400"/>
           </a:xfrm>
           <a:prstGeom prst="rect">
             <a:avLst/>
           </a:prstGeom>
           <a:solidFill>
-            <a:srgbClr val="8F653C">
-              <a:alpha val="50000"/>
-            </a:srgbClr>
+            <a:srgbClr val="8F653C"/>
           </a:solidFill>
           <a:ln>
             <a:noFill/>
@@ -4573,377 +4943,7 @@
             <a:r>
               <a:rPr lang="en-US" sz="1600" dirty="0">
                 <a:solidFill>
-                  <a:schemeClr val="tx1"/>
-                </a:solidFill>
-                <a:latin typeface="Arial" panose="020B0604020202020204" pitchFamily="34" charset="0"/>
-                <a:cs typeface="Arial" panose="020B0604020202020204" pitchFamily="34" charset="0"/>
-              </a:rPr>
-              <a:t>tar_make()</a:t>
-            </a:r>
-          </a:p>
-          <a:p>
-            <a:r>
-              <a:rPr lang="en-US" sz="1600" dirty="0">
-                <a:solidFill>
-                  <a:schemeClr val="tx1"/>
-                </a:solidFill>
-                <a:latin typeface="Arial" panose="020B0604020202020204" pitchFamily="34" charset="0"/>
-                <a:cs typeface="Arial" panose="020B0604020202020204" pitchFamily="34" charset="0"/>
-              </a:rPr>
-              <a:t>tar_make_future()</a:t>
-            </a:r>
-          </a:p>
-          <a:p>
-            <a:r>
-              <a:rPr lang="en-US" sz="1600" dirty="0">
-                <a:solidFill>
-                  <a:schemeClr val="tx1"/>
-                </a:solidFill>
-                <a:latin typeface="Arial" panose="020B0604020202020204" pitchFamily="34" charset="0"/>
-                <a:cs typeface="Arial" panose="020B0604020202020204" pitchFamily="34" charset="0"/>
-              </a:rPr>
-              <a:t>tar_make_clustermq()</a:t>
-            </a:r>
-          </a:p>
-        </p:txBody>
-      </p:sp>
-      <p:sp>
-        <p:nvSpPr>
-          <p:cNvPr id="37" name="Rectangle 36">
-            <a:extLst>
-              <a:ext uri="{FF2B5EF4-FFF2-40B4-BE49-F238E27FC236}">
-                <a16:creationId xmlns:a16="http://schemas.microsoft.com/office/drawing/2014/main" id="{5502E421-34DC-0A44-84D6-916078A10FE4}"/>
-              </a:ext>
-            </a:extLst>
-          </p:cNvPr>
-          <p:cNvSpPr/>
-          <p:nvPr/>
-        </p:nvSpPr>
-        <p:spPr>
-          <a:xfrm>
-            <a:off x="7353785" y="969836"/>
-            <a:ext cx="2011680" cy="914400"/>
-          </a:xfrm>
-          <a:prstGeom prst="rect">
-            <a:avLst/>
-          </a:prstGeom>
-          <a:solidFill>
-            <a:srgbClr val="40612E">
-              <a:alpha val="50000"/>
-            </a:srgbClr>
-          </a:solidFill>
-          <a:ln>
-            <a:noFill/>
-          </a:ln>
-        </p:spPr>
-        <p:style>
-          <a:lnRef idx="2">
-            <a:schemeClr val="accent1">
-              <a:shade val="50000"/>
-            </a:schemeClr>
-          </a:lnRef>
-          <a:fillRef idx="1">
-            <a:schemeClr val="accent1"/>
-          </a:fillRef>
-          <a:effectRef idx="0">
-            <a:schemeClr val="accent1"/>
-          </a:effectRef>
-          <a:fontRef idx="minor">
-            <a:schemeClr val="lt1"/>
-          </a:fontRef>
-        </p:style>
-        <p:txBody>
-          <a:bodyPr rtlCol="0" anchor="t"/>
-          <a:lstStyle/>
-          <a:p>
-            <a:r>
-              <a:rPr lang="en-US" sz="2000" dirty="0">
-                <a:solidFill>
-                  <a:schemeClr val="tx1"/>
-                </a:solidFill>
-                <a:latin typeface="Arial" panose="020B0604020202020204" pitchFamily="34" charset="0"/>
-                <a:cs typeface="Arial" panose="020B0604020202020204" pitchFamily="34" charset="0"/>
-              </a:rPr>
-              <a:t> Inspect log</a:t>
-            </a:r>
-          </a:p>
-        </p:txBody>
-      </p:sp>
-      <p:sp>
-        <p:nvSpPr>
-          <p:cNvPr id="38" name="Rectangle 37">
-            <a:extLst>
-              <a:ext uri="{FF2B5EF4-FFF2-40B4-BE49-F238E27FC236}">
-                <a16:creationId xmlns:a16="http://schemas.microsoft.com/office/drawing/2014/main" id="{0E0454CA-DA2C-1A44-AE0A-7A32CF29A413}"/>
-              </a:ext>
-            </a:extLst>
-          </p:cNvPr>
-          <p:cNvSpPr/>
-          <p:nvPr/>
-        </p:nvSpPr>
-        <p:spPr>
-          <a:xfrm>
-            <a:off x="3511550" y="4290587"/>
-            <a:ext cx="2285567" cy="914400"/>
-          </a:xfrm>
-          <a:prstGeom prst="rect">
-            <a:avLst/>
-          </a:prstGeom>
-          <a:solidFill>
-            <a:srgbClr val="8F653C">
-              <a:alpha val="50000"/>
-            </a:srgbClr>
-          </a:solidFill>
-          <a:ln>
-            <a:noFill/>
-          </a:ln>
-        </p:spPr>
-        <p:style>
-          <a:lnRef idx="2">
-            <a:schemeClr val="accent1">
-              <a:shade val="50000"/>
-            </a:schemeClr>
-          </a:lnRef>
-          <a:fillRef idx="1">
-            <a:schemeClr val="accent1"/>
-          </a:fillRef>
-          <a:effectRef idx="0">
-            <a:schemeClr val="accent1"/>
-          </a:effectRef>
-          <a:fontRef idx="minor">
-            <a:schemeClr val="lt1"/>
-          </a:fontRef>
-        </p:style>
-        <p:txBody>
-          <a:bodyPr rtlCol="0" anchor="t"/>
-          <a:lstStyle/>
-          <a:p>
-            <a:r>
-              <a:rPr lang="en-US" sz="1600" dirty="0">
-                <a:solidFill>
-                  <a:schemeClr val="tx1"/>
-                </a:solidFill>
-                <a:latin typeface="Arial" panose="020B0604020202020204" pitchFamily="34" charset="0"/>
-                <a:cs typeface="Arial" panose="020B0604020202020204" pitchFamily="34" charset="0"/>
-              </a:rPr>
-              <a:t>tar_git_init()</a:t>
-            </a:r>
-          </a:p>
-          <a:p>
-            <a:r>
-              <a:rPr lang="en-US" sz="1600" dirty="0">
-                <a:solidFill>
-                  <a:schemeClr val="tx1"/>
-                </a:solidFill>
-                <a:latin typeface="Arial" panose="020B0604020202020204" pitchFamily="34" charset="0"/>
-                <a:cs typeface="Arial" panose="020B0604020202020204" pitchFamily="34" charset="0"/>
-              </a:rPr>
-              <a:t>tar_git_status()</a:t>
-            </a:r>
-          </a:p>
-          <a:p>
-            <a:r>
-              <a:rPr lang="en-US" sz="1600" dirty="0">
-                <a:solidFill>
-                  <a:schemeClr val="tx1"/>
-                </a:solidFill>
-                <a:latin typeface="Arial" panose="020B0604020202020204" pitchFamily="34" charset="0"/>
-                <a:cs typeface="Arial" panose="020B0604020202020204" pitchFamily="34" charset="0"/>
-              </a:rPr>
-              <a:t>tar_git_snapshot()</a:t>
-            </a:r>
-          </a:p>
-        </p:txBody>
-      </p:sp>
-      <p:sp>
-        <p:nvSpPr>
-          <p:cNvPr id="39" name="Rectangle 38">
-            <a:extLst>
-              <a:ext uri="{FF2B5EF4-FFF2-40B4-BE49-F238E27FC236}">
-                <a16:creationId xmlns:a16="http://schemas.microsoft.com/office/drawing/2014/main" id="{A3FFFA83-FA41-4147-AC60-0A46E3F4BA0D}"/>
-              </a:ext>
-            </a:extLst>
-          </p:cNvPr>
-          <p:cNvSpPr/>
-          <p:nvPr/>
-        </p:nvSpPr>
-        <p:spPr>
-          <a:xfrm>
-            <a:off x="9585028" y="969836"/>
-            <a:ext cx="2286000" cy="914400"/>
-          </a:xfrm>
-          <a:prstGeom prst="rect">
-            <a:avLst/>
-          </a:prstGeom>
-          <a:solidFill>
-            <a:srgbClr val="8F653C">
-              <a:alpha val="50000"/>
-            </a:srgbClr>
-          </a:solidFill>
-          <a:ln>
-            <a:noFill/>
-          </a:ln>
-        </p:spPr>
-        <p:style>
-          <a:lnRef idx="2">
-            <a:schemeClr val="accent1">
-              <a:shade val="50000"/>
-            </a:schemeClr>
-          </a:lnRef>
-          <a:fillRef idx="1">
-            <a:schemeClr val="accent1"/>
-          </a:fillRef>
-          <a:effectRef idx="0">
-            <a:schemeClr val="accent1"/>
-          </a:effectRef>
-          <a:fontRef idx="minor">
-            <a:schemeClr val="lt1"/>
-          </a:fontRef>
-        </p:style>
-        <p:txBody>
-          <a:bodyPr rtlCol="0" anchor="t"/>
-          <a:lstStyle/>
-          <a:p>
-            <a:r>
-              <a:rPr lang="en-US" sz="1600" dirty="0">
-                <a:solidFill>
-                  <a:schemeClr val="tx1"/>
-                </a:solidFill>
-                <a:latin typeface="Arial" panose="020B0604020202020204" pitchFamily="34" charset="0"/>
-                <a:cs typeface="Arial" panose="020B0604020202020204" pitchFamily="34" charset="0"/>
-              </a:rPr>
-              <a:t>tar_git_log()</a:t>
-            </a:r>
-          </a:p>
-        </p:txBody>
-      </p:sp>
-      <p:sp>
-        <p:nvSpPr>
-          <p:cNvPr id="41" name="Rectangle 40">
-            <a:extLst>
-              <a:ext uri="{FF2B5EF4-FFF2-40B4-BE49-F238E27FC236}">
-                <a16:creationId xmlns:a16="http://schemas.microsoft.com/office/drawing/2014/main" id="{B412DD5E-E5DC-664B-A7BE-C9939EE687B6}"/>
-              </a:ext>
-            </a:extLst>
-          </p:cNvPr>
-          <p:cNvSpPr/>
-          <p:nvPr/>
-        </p:nvSpPr>
-        <p:spPr>
-          <a:xfrm>
-            <a:off x="9585028" y="2086149"/>
-            <a:ext cx="2286000" cy="914400"/>
-          </a:xfrm>
-          <a:prstGeom prst="rect">
-            <a:avLst/>
-          </a:prstGeom>
-          <a:solidFill>
-            <a:srgbClr val="8F653C">
-              <a:alpha val="50000"/>
-            </a:srgbClr>
-          </a:solidFill>
-          <a:ln>
-            <a:noFill/>
-          </a:ln>
-        </p:spPr>
-        <p:style>
-          <a:lnRef idx="2">
-            <a:schemeClr val="accent1">
-              <a:shade val="50000"/>
-            </a:schemeClr>
-          </a:lnRef>
-          <a:fillRef idx="1">
-            <a:schemeClr val="accent1"/>
-          </a:fillRef>
-          <a:effectRef idx="0">
-            <a:schemeClr val="accent1"/>
-          </a:effectRef>
-          <a:fontRef idx="minor">
-            <a:schemeClr val="lt1"/>
-          </a:fontRef>
-        </p:style>
-        <p:txBody>
-          <a:bodyPr rtlCol="0" anchor="t"/>
-          <a:lstStyle/>
-          <a:p>
-            <a:r>
-              <a:rPr lang="en-US" sz="1600" dirty="0">
-                <a:solidFill>
-                  <a:schemeClr val="tx1"/>
-                </a:solidFill>
-                <a:latin typeface="Arial" panose="020B0604020202020204" pitchFamily="34" charset="0"/>
-                <a:cs typeface="Arial" panose="020B0604020202020204" pitchFamily="34" charset="0"/>
-              </a:rPr>
-              <a:t>Git</a:t>
-            </a:r>
-          </a:p>
-          <a:p>
-            <a:r>
-              <a:rPr lang="en-US" sz="1600" dirty="0">
-                <a:solidFill>
-                  <a:schemeClr val="tx1"/>
-                </a:solidFill>
-                <a:latin typeface="Arial" panose="020B0604020202020204" pitchFamily="34" charset="0"/>
-                <a:cs typeface="Arial" panose="020B0604020202020204" pitchFamily="34" charset="0"/>
-              </a:rPr>
-              <a:t>{gert}</a:t>
-            </a:r>
-          </a:p>
-        </p:txBody>
-      </p:sp>
-      <p:sp>
-        <p:nvSpPr>
-          <p:cNvPr id="42" name="Rectangle 41">
-            <a:extLst>
-              <a:ext uri="{FF2B5EF4-FFF2-40B4-BE49-F238E27FC236}">
-                <a16:creationId xmlns:a16="http://schemas.microsoft.com/office/drawing/2014/main" id="{18A95439-3CBB-F343-AF82-A425CAAEAEE5}"/>
-              </a:ext>
-            </a:extLst>
-          </p:cNvPr>
-          <p:cNvSpPr/>
-          <p:nvPr/>
-        </p:nvSpPr>
-        <p:spPr>
-          <a:xfrm>
-            <a:off x="9585028" y="3202462"/>
-            <a:ext cx="2286000" cy="914400"/>
-          </a:xfrm>
-          <a:prstGeom prst="rect">
-            <a:avLst/>
-          </a:prstGeom>
-          <a:solidFill>
-            <a:srgbClr val="8F653C">
-              <a:alpha val="50000"/>
-            </a:srgbClr>
-          </a:solidFill>
-          <a:ln>
-            <a:noFill/>
-          </a:ln>
-        </p:spPr>
-        <p:style>
-          <a:lnRef idx="2">
-            <a:schemeClr val="accent1">
-              <a:shade val="50000"/>
-            </a:schemeClr>
-          </a:lnRef>
-          <a:fillRef idx="1">
-            <a:schemeClr val="accent1"/>
-          </a:fillRef>
-          <a:effectRef idx="0">
-            <a:schemeClr val="accent1"/>
-          </a:effectRef>
-          <a:fontRef idx="minor">
-            <a:schemeClr val="lt1"/>
-          </a:fontRef>
-        </p:style>
-        <p:txBody>
-          <a:bodyPr rtlCol="0" anchor="t"/>
-          <a:lstStyle/>
-          <a:p>
-            <a:r>
-              <a:rPr lang="en-US" sz="1600" dirty="0">
-                <a:solidFill>
-                  <a:schemeClr val="tx1"/>
+                  <a:schemeClr val="bg1"/>
                 </a:solidFill>
                 <a:latin typeface="Arial" panose="020B0604020202020204" pitchFamily="34" charset="0"/>
                 <a:cs typeface="Arial" panose="020B0604020202020204" pitchFamily="34" charset="0"/>
@@ -4953,6 +4953,66 @@
           </a:p>
         </p:txBody>
       </p:sp>
+      <p:pic>
+        <p:nvPicPr>
+          <p:cNvPr id="5" name="Picture 4" descr="Graphical user interface&#10;&#10;Description automatically generated with low confidence">
+            <a:extLst>
+              <a:ext uri="{FF2B5EF4-FFF2-40B4-BE49-F238E27FC236}">
+                <a16:creationId xmlns:a16="http://schemas.microsoft.com/office/drawing/2014/main" id="{1176C225-8FEF-3047-B7B4-4A83B20FE430}"/>
+              </a:ext>
+            </a:extLst>
+          </p:cNvPr>
+          <p:cNvPicPr>
+            <a:picLocks noChangeAspect="1"/>
+          </p:cNvPicPr>
+          <p:nvPr/>
+        </p:nvPicPr>
+        <p:blipFill>
+          <a:blip r:embed="rId3"/>
+          <a:stretch>
+            <a:fillRect/>
+          </a:stretch>
+        </p:blipFill>
+        <p:spPr>
+          <a:xfrm>
+            <a:off x="6304816" y="2988807"/>
+            <a:ext cx="1179507" cy="1362296"/>
+          </a:xfrm>
+          <a:prstGeom prst="rect">
+            <a:avLst/>
+          </a:prstGeom>
+        </p:spPr>
+      </p:pic>
+      <p:pic>
+        <p:nvPicPr>
+          <p:cNvPr id="25" name="Picture 24" descr="Graphical user interface&#10;&#10;Description automatically generated with low confidence">
+            <a:extLst>
+              <a:ext uri="{FF2B5EF4-FFF2-40B4-BE49-F238E27FC236}">
+                <a16:creationId xmlns:a16="http://schemas.microsoft.com/office/drawing/2014/main" id="{F05FFD9D-5B49-6340-A274-9BC2F4AECCF4}"/>
+              </a:ext>
+            </a:extLst>
+          </p:cNvPr>
+          <p:cNvPicPr>
+            <a:picLocks noChangeAspect="1"/>
+          </p:cNvPicPr>
+          <p:nvPr/>
+        </p:nvPicPr>
+        <p:blipFill>
+          <a:blip r:embed="rId3"/>
+          <a:stretch>
+            <a:fillRect/>
+          </a:stretch>
+        </p:blipFill>
+        <p:spPr>
+          <a:xfrm>
+            <a:off x="104693" y="4071174"/>
+            <a:ext cx="1179507" cy="1362296"/>
+          </a:xfrm>
+          <a:prstGeom prst="rect">
+            <a:avLst/>
+          </a:prstGeom>
+        </p:spPr>
+      </p:pic>
     </p:spTree>
     <p:extLst>
       <p:ext uri="{BB962C8B-B14F-4D97-AF65-F5344CB8AC3E}">

--- a/man/figures/workflow.pptx
+++ b/man/figures/workflow.pptx
@@ -3819,7 +3819,7 @@
                 <a:latin typeface="Arial" panose="020B0604020202020204" pitchFamily="34" charset="0"/>
                 <a:cs typeface="Arial" panose="020B0604020202020204" pitchFamily="34" charset="0"/>
               </a:rPr>
-              <a:t> Commit code</a:t>
+              <a:t>Run pipeline</a:t>
             </a:r>
           </a:p>
         </p:txBody>
@@ -3881,7 +3881,7 @@
                 <a:latin typeface="Arial" panose="020B0604020202020204" pitchFamily="34" charset="0"/>
                 <a:cs typeface="Arial" panose="020B0604020202020204" pitchFamily="34" charset="0"/>
               </a:rPr>
-              <a:t> Run pipeline</a:t>
+              <a:t>Commit code</a:t>
             </a:r>
           </a:p>
         </p:txBody>
@@ -3941,7 +3941,7 @@
                 <a:latin typeface="Arial" panose="020B0604020202020204" pitchFamily="34" charset="0"/>
                 <a:cs typeface="Arial" panose="020B0604020202020204" pitchFamily="34" charset="0"/>
               </a:rPr>
-              <a:t> Snapshot data</a:t>
+              <a:t>Snapshot data</a:t>
             </a:r>
           </a:p>
         </p:txBody>
@@ -4003,7 +4003,7 @@
                 <a:latin typeface="Arial" panose="020B0604020202020204" pitchFamily="34" charset="0"/>
                 <a:cs typeface="Arial" panose="020B0604020202020204" pitchFamily="34" charset="0"/>
               </a:rPr>
-              <a:t> Check out code</a:t>
+              <a:t>Check out code</a:t>
             </a:r>
           </a:p>
         </p:txBody>
@@ -4063,7 +4063,7 @@
                 <a:latin typeface="Arial" panose="020B0604020202020204" pitchFamily="34" charset="0"/>
                 <a:cs typeface="Arial" panose="020B0604020202020204" pitchFamily="34" charset="0"/>
               </a:rPr>
-              <a:t> Check out data</a:t>
+              <a:t>Check out data</a:t>
             </a:r>
           </a:p>
         </p:txBody>
@@ -4125,7 +4125,7 @@
                 <a:latin typeface="Arial" panose="020B0604020202020204" pitchFamily="34" charset="0"/>
                 <a:cs typeface="Arial" panose="020B0604020202020204" pitchFamily="34" charset="0"/>
               </a:rPr>
-              <a:t> Write code</a:t>
+              <a:t>Write code</a:t>
             </a:r>
           </a:p>
         </p:txBody>
@@ -4508,7 +4508,7 @@
                 <a:latin typeface="Arial" panose="020B0604020202020204" pitchFamily="34" charset="0"/>
                 <a:cs typeface="Arial" panose="020B0604020202020204" pitchFamily="34" charset="0"/>
               </a:rPr>
-              <a:t>Git</a:t>
+              <a:t>tar_make()</a:t>
             </a:r>
           </a:p>
           <a:p>
@@ -4520,7 +4520,19 @@
                 <a:latin typeface="Arial" panose="020B0604020202020204" pitchFamily="34" charset="0"/>
                 <a:cs typeface="Arial" panose="020B0604020202020204" pitchFamily="34" charset="0"/>
               </a:rPr>
-              <a:t>{gert}</a:t>
+              <a:t>tar_make_future()</a:t>
+            </a:r>
+          </a:p>
+          <a:p>
+            <a:r>
+              <a:rPr lang="en-US" sz="1600" dirty="0">
+                <a:solidFill>
+                  <a:schemeClr val="tx1"/>
+                </a:solidFill>
+                <a:latin typeface="Arial" panose="020B0604020202020204" pitchFamily="34" charset="0"/>
+                <a:cs typeface="Arial" panose="020B0604020202020204" pitchFamily="34" charset="0"/>
+              </a:rPr>
+              <a:t>tar_make_clustermq()</a:t>
             </a:r>
           </a:p>
         </p:txBody>
@@ -4582,7 +4594,7 @@
                 <a:latin typeface="Arial" panose="020B0604020202020204" pitchFamily="34" charset="0"/>
                 <a:cs typeface="Arial" panose="020B0604020202020204" pitchFamily="34" charset="0"/>
               </a:rPr>
-              <a:t>tar_make()</a:t>
+              <a:t>Git</a:t>
             </a:r>
           </a:p>
           <a:p>
@@ -4594,19 +4606,7 @@
                 <a:latin typeface="Arial" panose="020B0604020202020204" pitchFamily="34" charset="0"/>
                 <a:cs typeface="Arial" panose="020B0604020202020204" pitchFamily="34" charset="0"/>
               </a:rPr>
-              <a:t>tar_make_future()</a:t>
-            </a:r>
-          </a:p>
-          <a:p>
-            <a:r>
-              <a:rPr lang="en-US" sz="1600" dirty="0">
-                <a:solidFill>
-                  <a:schemeClr val="tx1"/>
-                </a:solidFill>
-                <a:latin typeface="Arial" panose="020B0604020202020204" pitchFamily="34" charset="0"/>
-                <a:cs typeface="Arial" panose="020B0604020202020204" pitchFamily="34" charset="0"/>
-              </a:rPr>
-              <a:t>tar_make_clustermq()</a:t>
+              <a:t>{gert}</a:t>
             </a:r>
           </a:p>
         </p:txBody>
@@ -4668,7 +4668,7 @@
                 <a:latin typeface="Arial" panose="020B0604020202020204" pitchFamily="34" charset="0"/>
                 <a:cs typeface="Arial" panose="020B0604020202020204" pitchFamily="34" charset="0"/>
               </a:rPr>
-              <a:t> View log</a:t>
+              <a:t>View log</a:t>
             </a:r>
           </a:p>
         </p:txBody>

--- a/man/figures/workflow.pptx
+++ b/man/figures/workflow.pptx
@@ -3776,8 +3776,8 @@
         </p:nvSpPr>
         <p:spPr>
           <a:xfrm>
-            <a:off x="1393982" y="2076753"/>
-            <a:ext cx="2011680" cy="914400"/>
+            <a:off x="1536023" y="2453896"/>
+            <a:ext cx="1920240" cy="749483"/>
           </a:xfrm>
           <a:prstGeom prst="rect">
             <a:avLst/>
@@ -3812,7 +3812,7 @@
           <a:lstStyle/>
           <a:p>
             <a:r>
-              <a:rPr lang="en-US" sz="1600" dirty="0">
+              <a:rPr lang="en-US" sz="1400" dirty="0">
                 <a:solidFill>
                   <a:schemeClr val="tx1"/>
                 </a:solidFill>
@@ -3838,8 +3838,8 @@
         </p:nvSpPr>
         <p:spPr>
           <a:xfrm>
-            <a:off x="1393982" y="3183670"/>
-            <a:ext cx="2011680" cy="914400"/>
+            <a:off x="1536023" y="3359663"/>
+            <a:ext cx="1920240" cy="749483"/>
           </a:xfrm>
           <a:prstGeom prst="rect">
             <a:avLst/>
@@ -3874,7 +3874,7 @@
           <a:lstStyle/>
           <a:p>
             <a:r>
-              <a:rPr lang="en-US" sz="1600" dirty="0">
+              <a:rPr lang="en-US" sz="1400" dirty="0">
                 <a:solidFill>
                   <a:schemeClr val="tx1"/>
                 </a:solidFill>
@@ -3900,8 +3900,8 @@
         </p:nvSpPr>
         <p:spPr>
           <a:xfrm>
-            <a:off x="1393982" y="4290587"/>
-            <a:ext cx="2011680" cy="914400"/>
+            <a:off x="1536023" y="4269573"/>
+            <a:ext cx="1920240" cy="749483"/>
           </a:xfrm>
           <a:prstGeom prst="rect">
             <a:avLst/>
@@ -3934,7 +3934,7 @@
           <a:lstStyle/>
           <a:p>
             <a:r>
-              <a:rPr lang="en-US" sz="1600" dirty="0">
+              <a:rPr lang="en-US" sz="1400" dirty="0">
                 <a:solidFill>
                   <a:schemeClr val="bg1"/>
                 </a:solidFill>
@@ -3960,8 +3960,8 @@
         </p:nvSpPr>
         <p:spPr>
           <a:xfrm>
-            <a:off x="7602036" y="2093645"/>
-            <a:ext cx="2011680" cy="914400"/>
+            <a:off x="6637177" y="2449783"/>
+            <a:ext cx="1920240" cy="749483"/>
           </a:xfrm>
           <a:prstGeom prst="rect">
             <a:avLst/>
@@ -3996,7 +3996,7 @@
           <a:lstStyle/>
           <a:p>
             <a:r>
-              <a:rPr lang="en-US" sz="1600" dirty="0">
+              <a:rPr lang="en-US" sz="1400" dirty="0">
                 <a:solidFill>
                   <a:schemeClr val="tx1"/>
                 </a:solidFill>
@@ -4022,8 +4022,8 @@
         </p:nvSpPr>
         <p:spPr>
           <a:xfrm>
-            <a:off x="7602036" y="3209958"/>
-            <a:ext cx="2011680" cy="914400"/>
+            <a:off x="6637177" y="3351437"/>
+            <a:ext cx="1920240" cy="749483"/>
           </a:xfrm>
           <a:prstGeom prst="rect">
             <a:avLst/>
@@ -4056,7 +4056,7 @@
           <a:lstStyle/>
           <a:p>
             <a:r>
-              <a:rPr lang="en-US" sz="1600" dirty="0">
+              <a:rPr lang="en-US" sz="1400" dirty="0">
                 <a:solidFill>
                   <a:schemeClr val="bg1"/>
                 </a:solidFill>
@@ -4082,8 +4082,8 @@
         </p:nvSpPr>
         <p:spPr>
           <a:xfrm>
-            <a:off x="1393982" y="969836"/>
-            <a:ext cx="2011680" cy="914400"/>
+            <a:off x="1536023" y="1548129"/>
+            <a:ext cx="1920240" cy="749483"/>
           </a:xfrm>
           <a:prstGeom prst="rect">
             <a:avLst/>
@@ -4118,7 +4118,7 @@
           <a:lstStyle/>
           <a:p>
             <a:r>
-              <a:rPr lang="en-US" sz="1600" dirty="0">
+              <a:rPr lang="en-US" sz="1400" dirty="0">
                 <a:solidFill>
                   <a:schemeClr val="tx1"/>
                 </a:solidFill>
@@ -4144,15 +4144,15 @@
         </p:nvSpPr>
         <p:spPr>
           <a:xfrm>
-            <a:off x="180540" y="977332"/>
-            <a:ext cx="1027134" cy="2946168"/>
+            <a:off x="5623951" y="1548129"/>
+            <a:ext cx="910610" cy="3465174"/>
           </a:xfrm>
           <a:prstGeom prst="downArrow">
             <a:avLst/>
           </a:prstGeom>
           <a:solidFill>
-            <a:srgbClr val="40612E">
-              <a:alpha val="40000"/>
+            <a:srgbClr val="505059">
+              <a:alpha val="39684"/>
             </a:srgbClr>
           </a:solidFill>
           <a:ln>
@@ -4180,9 +4180,9 @@
           <a:lstStyle/>
           <a:p>
             <a:pPr algn="ctr"/>
-            <a:endParaRPr lang="en-US" sz="1600" dirty="0">
+            <a:endParaRPr lang="en-US" sz="1400" dirty="0">
               <a:solidFill>
-                <a:schemeClr val="bg1"/>
+                <a:schemeClr val="tx1"/>
               </a:solidFill>
               <a:latin typeface="Arial" panose="020B0604020202020204" pitchFamily="34" charset="0"/>
               <a:cs typeface="Arial" panose="020B0604020202020204" pitchFamily="34" charset="0"/>
@@ -4192,10 +4192,10 @@
       </p:sp>
       <p:sp>
         <p:nvSpPr>
-          <p:cNvPr id="19" name="Down Arrow 18">
-            <a:extLst>
-              <a:ext uri="{FF2B5EF4-FFF2-40B4-BE49-F238E27FC236}">
-                <a16:creationId xmlns:a16="http://schemas.microsoft.com/office/drawing/2014/main" id="{12D76742-22C0-E54A-AB1C-E05C48DABB2E}"/>
+          <p:cNvPr id="29" name="Rectangle 28">
+            <a:extLst>
+              <a:ext uri="{FF2B5EF4-FFF2-40B4-BE49-F238E27FC236}">
+                <a16:creationId xmlns:a16="http://schemas.microsoft.com/office/drawing/2014/main" id="{85BC72EB-F810-9F43-BAB4-06DF3C57F5AC}"/>
               </a:ext>
             </a:extLst>
           </p:cNvPr>
@@ -4204,15 +4204,15 @@
         </p:nvSpPr>
         <p:spPr>
           <a:xfrm>
-            <a:off x="6381002" y="969836"/>
-            <a:ext cx="1027134" cy="1897729"/>
+            <a:off x="1536024" y="1007464"/>
+            <a:ext cx="3985311" cy="364593"/>
           </a:xfrm>
-          <a:prstGeom prst="downArrow">
+          <a:prstGeom prst="rect">
             <a:avLst/>
           </a:prstGeom>
           <a:solidFill>
-            <a:srgbClr val="40612E">
-              <a:alpha val="40000"/>
+            <a:srgbClr val="505059">
+              <a:alpha val="39684"/>
             </a:srgbClr>
           </a:solidFill>
           <a:ln>
@@ -4239,23 +4239,25 @@
           <a:bodyPr rtlCol="0" anchor="ctr"/>
           <a:lstStyle/>
           <a:p>
-            <a:pPr algn="ctr"/>
-            <a:endParaRPr lang="en-US" sz="1600" dirty="0">
-              <a:solidFill>
-                <a:schemeClr val="bg1"/>
-              </a:solidFill>
-              <a:latin typeface="Arial" panose="020B0604020202020204" pitchFamily="34" charset="0"/>
-              <a:cs typeface="Arial" panose="020B0604020202020204" pitchFamily="34" charset="0"/>
-            </a:endParaRPr>
-          </a:p>
-        </p:txBody>
-      </p:sp>
-      <p:sp>
-        <p:nvSpPr>
-          <p:cNvPr id="29" name="Rectangle 28">
-            <a:extLst>
-              <a:ext uri="{FF2B5EF4-FFF2-40B4-BE49-F238E27FC236}">
-                <a16:creationId xmlns:a16="http://schemas.microsoft.com/office/drawing/2014/main" id="{85BC72EB-F810-9F43-BAB4-06DF3C57F5AC}"/>
+            <a:r>
+              <a:rPr lang="en-US" sz="1400" dirty="0">
+                <a:solidFill>
+                  <a:schemeClr val="tx1"/>
+                </a:solidFill>
+                <a:latin typeface="Arial" panose="020B0604020202020204" pitchFamily="34" charset="0"/>
+                <a:cs typeface="Arial" panose="020B0604020202020204" pitchFamily="34" charset="0"/>
+              </a:rPr>
+              <a:t> Development</a:t>
+            </a:r>
+          </a:p>
+        </p:txBody>
+      </p:sp>
+      <p:sp>
+        <p:nvSpPr>
+          <p:cNvPr id="31" name="Rectangle 30">
+            <a:extLst>
+              <a:ext uri="{FF2B5EF4-FFF2-40B4-BE49-F238E27FC236}">
+                <a16:creationId xmlns:a16="http://schemas.microsoft.com/office/drawing/2014/main" id="{BC56C022-39C8-C446-8D36-3447C0442198}"/>
               </a:ext>
             </a:extLst>
           </p:cNvPr>
@@ -4264,14 +4266,16 @@
         </p:nvSpPr>
         <p:spPr>
           <a:xfrm>
-            <a:off x="437029" y="350447"/>
-            <a:ext cx="5452237" cy="444819"/>
+            <a:off x="6637177" y="1012124"/>
+            <a:ext cx="3986784" cy="364593"/>
           </a:xfrm>
           <a:prstGeom prst="rect">
             <a:avLst/>
           </a:prstGeom>
           <a:solidFill>
-            <a:srgbClr val="505059"/>
+            <a:srgbClr val="505059">
+              <a:alpha val="39684"/>
+            </a:srgbClr>
           </a:solidFill>
           <a:ln>
             <a:noFill/>
@@ -4298,82 +4302,15 @@
           <a:lstStyle/>
           <a:p>
             <a:r>
-              <a:rPr lang="en-US" sz="1600" dirty="0">
+              <a:rPr lang="en-US" sz="1400" dirty="0">
                 <a:solidFill>
-                  <a:schemeClr val="bg1"/>
-                </a:solidFill>
-                <a:latin typeface="Arial" panose="020B0604020202020204" pitchFamily="34" charset="0"/>
-                <a:cs typeface="Arial" panose="020B0604020202020204" pitchFamily="34" charset="0"/>
-              </a:rPr>
-              <a:t> Development</a:t>
-            </a:r>
-          </a:p>
-        </p:txBody>
-      </p:sp>
-      <p:sp>
-        <p:nvSpPr>
-          <p:cNvPr id="31" name="Rectangle 30">
-            <a:extLst>
-              <a:ext uri="{FF2B5EF4-FFF2-40B4-BE49-F238E27FC236}">
-                <a16:creationId xmlns:a16="http://schemas.microsoft.com/office/drawing/2014/main" id="{BC56C022-39C8-C446-8D36-3447C0442198}"/>
-              </a:ext>
-            </a:extLst>
-          </p:cNvPr>
-          <p:cNvSpPr/>
-          <p:nvPr/>
-        </p:nvSpPr>
-        <p:spPr>
-          <a:xfrm>
-            <a:off x="6629400" y="350447"/>
-            <a:ext cx="5501436" cy="444819"/>
-          </a:xfrm>
-          <a:prstGeom prst="rect">
-            <a:avLst/>
-          </a:prstGeom>
-          <a:solidFill>
-            <a:srgbClr val="505059"/>
-          </a:solidFill>
-          <a:ln>
-            <a:noFill/>
-          </a:ln>
-        </p:spPr>
-        <p:style>
-          <a:lnRef idx="2">
-            <a:schemeClr val="accent1">
-              <a:shade val="50000"/>
-            </a:schemeClr>
-          </a:lnRef>
-          <a:fillRef idx="1">
-            <a:schemeClr val="accent1"/>
-          </a:fillRef>
-          <a:effectRef idx="0">
-            <a:schemeClr val="accent1"/>
-          </a:effectRef>
-          <a:fontRef idx="minor">
-            <a:schemeClr val="lt1"/>
-          </a:fontRef>
-        </p:style>
-        <p:txBody>
-          <a:bodyPr rtlCol="0" anchor="ctr"/>
-          <a:lstStyle/>
-          <a:p>
-            <a:r>
-              <a:rPr lang="en-US" sz="1600">
-                <a:solidFill>
-                  <a:schemeClr val="bg1"/>
+                  <a:schemeClr val="tx1"/>
                 </a:solidFill>
                 <a:latin typeface="Arial" panose="020B0604020202020204" pitchFamily="34" charset="0"/>
                 <a:cs typeface="Arial" panose="020B0604020202020204" pitchFamily="34" charset="0"/>
               </a:rPr>
               <a:t> Transitions</a:t>
             </a:r>
-            <a:endParaRPr lang="en-US" sz="1600" dirty="0">
-              <a:solidFill>
-                <a:schemeClr val="bg1"/>
-              </a:solidFill>
-              <a:latin typeface="Arial" panose="020B0604020202020204" pitchFamily="34" charset="0"/>
-              <a:cs typeface="Arial" panose="020B0604020202020204" pitchFamily="34" charset="0"/>
-            </a:endParaRPr>
           </a:p>
         </p:txBody>
       </p:sp>
@@ -4391,8 +4328,8 @@
         </p:nvSpPr>
         <p:spPr>
           <a:xfrm>
-            <a:off x="3603699" y="969836"/>
-            <a:ext cx="2285567" cy="914400"/>
+            <a:off x="3601095" y="1548129"/>
+            <a:ext cx="1920240" cy="749483"/>
           </a:xfrm>
           <a:prstGeom prst="rect">
             <a:avLst/>
@@ -4427,7 +4364,7 @@
           <a:lstStyle/>
           <a:p>
             <a:r>
-              <a:rPr lang="en-US" sz="1600" dirty="0">
+              <a:rPr lang="en-US" sz="1400" dirty="0">
                 <a:solidFill>
                   <a:schemeClr val="tx1"/>
                 </a:solidFill>
@@ -4439,7 +4376,7 @@
           </a:p>
           <a:p>
             <a:r>
-              <a:rPr lang="en-US" sz="1600" dirty="0">
+              <a:rPr lang="en-US" sz="1400" dirty="0">
                 <a:solidFill>
                   <a:schemeClr val="tx1"/>
                 </a:solidFill>
@@ -4465,8 +4402,8 @@
         </p:nvSpPr>
         <p:spPr>
           <a:xfrm>
-            <a:off x="3603698" y="2076753"/>
-            <a:ext cx="2285568" cy="914400"/>
+            <a:off x="3601095" y="2453895"/>
+            <a:ext cx="1920240" cy="749483"/>
           </a:xfrm>
           <a:prstGeom prst="rect">
             <a:avLst/>
@@ -4501,7 +4438,7 @@
           <a:lstStyle/>
           <a:p>
             <a:r>
-              <a:rPr lang="en-US" sz="1600" dirty="0">
+              <a:rPr lang="en-US" sz="1400" dirty="0">
                 <a:solidFill>
                   <a:schemeClr val="tx1"/>
                 </a:solidFill>
@@ -4513,7 +4450,7 @@
           </a:p>
           <a:p>
             <a:r>
-              <a:rPr lang="en-US" sz="1600" dirty="0">
+              <a:rPr lang="en-US" sz="1400" dirty="0">
                 <a:solidFill>
                   <a:schemeClr val="tx1"/>
                 </a:solidFill>
@@ -4525,7 +4462,7 @@
           </a:p>
           <a:p>
             <a:r>
-              <a:rPr lang="en-US" sz="1600" dirty="0">
+              <a:rPr lang="en-US" sz="1400" dirty="0">
                 <a:solidFill>
                   <a:schemeClr val="tx1"/>
                 </a:solidFill>
@@ -4551,8 +4488,8 @@
         </p:nvSpPr>
         <p:spPr>
           <a:xfrm>
-            <a:off x="3603699" y="3183670"/>
-            <a:ext cx="2285568" cy="914400"/>
+            <a:off x="3601095" y="3359661"/>
+            <a:ext cx="1920240" cy="749483"/>
           </a:xfrm>
           <a:prstGeom prst="rect">
             <a:avLst/>
@@ -4587,7 +4524,7 @@
           <a:lstStyle/>
           <a:p>
             <a:r>
-              <a:rPr lang="en-US" sz="1600" dirty="0">
+              <a:rPr lang="en-US" sz="1400" dirty="0">
                 <a:solidFill>
                   <a:schemeClr val="tx1"/>
                 </a:solidFill>
@@ -4599,7 +4536,7 @@
           </a:p>
           <a:p>
             <a:r>
-              <a:rPr lang="en-US" sz="1600" dirty="0">
+              <a:rPr lang="en-US" sz="1400" dirty="0">
                 <a:solidFill>
                   <a:schemeClr val="tx1"/>
                 </a:solidFill>
@@ -4625,16 +4562,14 @@
         </p:nvSpPr>
         <p:spPr>
           <a:xfrm>
-            <a:off x="7602036" y="977332"/>
-            <a:ext cx="2011680" cy="914400"/>
+            <a:off x="6637177" y="1548129"/>
+            <a:ext cx="1920240" cy="749483"/>
           </a:xfrm>
           <a:prstGeom prst="rect">
             <a:avLst/>
           </a:prstGeom>
           <a:solidFill>
-            <a:srgbClr val="40612E">
-              <a:alpha val="40000"/>
-            </a:srgbClr>
+            <a:srgbClr val="40612E"/>
           </a:solidFill>
           <a:ln>
             <a:noFill/>
@@ -4661,9 +4596,9 @@
           <a:lstStyle/>
           <a:p>
             <a:r>
-              <a:rPr lang="en-US" sz="1600" dirty="0">
+              <a:rPr lang="en-US" sz="1400" dirty="0">
                 <a:solidFill>
-                  <a:schemeClr val="tx1"/>
+                  <a:schemeClr val="bg1"/>
                 </a:solidFill>
                 <a:latin typeface="Arial" panose="020B0604020202020204" pitchFamily="34" charset="0"/>
                 <a:cs typeface="Arial" panose="020B0604020202020204" pitchFamily="34" charset="0"/>
@@ -4687,8 +4622,8 @@
         </p:nvSpPr>
         <p:spPr>
           <a:xfrm>
-            <a:off x="3610423" y="4290587"/>
-            <a:ext cx="2285567" cy="914400"/>
+            <a:off x="3601095" y="4265427"/>
+            <a:ext cx="1920240" cy="749483"/>
           </a:xfrm>
           <a:prstGeom prst="rect">
             <a:avLst/>
@@ -4721,7 +4656,7 @@
           <a:lstStyle/>
           <a:p>
             <a:r>
-              <a:rPr lang="en-US" sz="1600" dirty="0">
+              <a:rPr lang="en-US" sz="1400" dirty="0">
                 <a:solidFill>
                   <a:schemeClr val="bg1"/>
                 </a:solidFill>
@@ -4733,7 +4668,7 @@
           </a:p>
           <a:p>
             <a:r>
-              <a:rPr lang="en-US" sz="1600" dirty="0">
+              <a:rPr lang="en-US" sz="1400" dirty="0">
                 <a:solidFill>
                   <a:schemeClr val="bg1"/>
                 </a:solidFill>
@@ -4745,7 +4680,7 @@
           </a:p>
           <a:p>
             <a:r>
-              <a:rPr lang="en-US" sz="1600" dirty="0">
+              <a:rPr lang="en-US" sz="1400" dirty="0">
                 <a:solidFill>
                   <a:schemeClr val="bg1"/>
                 </a:solidFill>
@@ -4771,8 +4706,68 @@
         </p:nvSpPr>
         <p:spPr>
           <a:xfrm>
-            <a:off x="9833279" y="977332"/>
-            <a:ext cx="2286000" cy="914400"/>
+            <a:off x="8702249" y="1543152"/>
+            <a:ext cx="1920240" cy="749483"/>
+          </a:xfrm>
+          <a:prstGeom prst="rect">
+            <a:avLst/>
+          </a:prstGeom>
+          <a:solidFill>
+            <a:srgbClr val="8F653C"/>
+          </a:solidFill>
+          <a:ln>
+            <a:noFill/>
+          </a:ln>
+        </p:spPr>
+        <p:style>
+          <a:lnRef idx="2">
+            <a:schemeClr val="accent1">
+              <a:shade val="50000"/>
+            </a:schemeClr>
+          </a:lnRef>
+          <a:fillRef idx="1">
+            <a:schemeClr val="accent1"/>
+          </a:fillRef>
+          <a:effectRef idx="0">
+            <a:schemeClr val="accent1"/>
+          </a:effectRef>
+          <a:fontRef idx="minor">
+            <a:schemeClr val="lt1"/>
+          </a:fontRef>
+        </p:style>
+        <p:txBody>
+          <a:bodyPr rtlCol="0" anchor="t"/>
+          <a:lstStyle/>
+          <a:p>
+            <a:r>
+              <a:rPr lang="en-US" sz="1400" dirty="0">
+                <a:solidFill>
+                  <a:schemeClr val="bg1"/>
+                </a:solidFill>
+                <a:latin typeface="Arial" panose="020B0604020202020204" pitchFamily="34" charset="0"/>
+                <a:cs typeface="Arial" panose="020B0604020202020204" pitchFamily="34" charset="0"/>
+              </a:rPr>
+              <a:t>tar_git_log()</a:t>
+            </a:r>
+          </a:p>
+        </p:txBody>
+      </p:sp>
+      <p:sp>
+        <p:nvSpPr>
+          <p:cNvPr id="41" name="Rectangle 40">
+            <a:extLst>
+              <a:ext uri="{FF2B5EF4-FFF2-40B4-BE49-F238E27FC236}">
+                <a16:creationId xmlns:a16="http://schemas.microsoft.com/office/drawing/2014/main" id="{B412DD5E-E5DC-664B-A7BE-C9939EE687B6}"/>
+              </a:ext>
+            </a:extLst>
+          </p:cNvPr>
+          <p:cNvSpPr/>
+          <p:nvPr/>
+        </p:nvSpPr>
+        <p:spPr>
+          <a:xfrm>
+            <a:off x="8701245" y="2459070"/>
+            <a:ext cx="1920240" cy="749483"/>
           </a:xfrm>
           <a:prstGeom prst="rect">
             <a:avLst/>
@@ -4807,69 +4802,7 @@
           <a:lstStyle/>
           <a:p>
             <a:r>
-              <a:rPr lang="en-US" sz="1600" dirty="0">
-                <a:solidFill>
-                  <a:schemeClr val="tx1"/>
-                </a:solidFill>
-                <a:latin typeface="Arial" panose="020B0604020202020204" pitchFamily="34" charset="0"/>
-                <a:cs typeface="Arial" panose="020B0604020202020204" pitchFamily="34" charset="0"/>
-              </a:rPr>
-              <a:t>tar_git_log()</a:t>
-            </a:r>
-          </a:p>
-        </p:txBody>
-      </p:sp>
-      <p:sp>
-        <p:nvSpPr>
-          <p:cNvPr id="41" name="Rectangle 40">
-            <a:extLst>
-              <a:ext uri="{FF2B5EF4-FFF2-40B4-BE49-F238E27FC236}">
-                <a16:creationId xmlns:a16="http://schemas.microsoft.com/office/drawing/2014/main" id="{B412DD5E-E5DC-664B-A7BE-C9939EE687B6}"/>
-              </a:ext>
-            </a:extLst>
-          </p:cNvPr>
-          <p:cNvSpPr/>
-          <p:nvPr/>
-        </p:nvSpPr>
-        <p:spPr>
-          <a:xfrm>
-            <a:off x="9833279" y="2093645"/>
-            <a:ext cx="2286000" cy="914400"/>
-          </a:xfrm>
-          <a:prstGeom prst="rect">
-            <a:avLst/>
-          </a:prstGeom>
-          <a:solidFill>
-            <a:srgbClr val="8F653C">
-              <a:alpha val="40000"/>
-            </a:srgbClr>
-          </a:solidFill>
-          <a:ln>
-            <a:noFill/>
-          </a:ln>
-        </p:spPr>
-        <p:style>
-          <a:lnRef idx="2">
-            <a:schemeClr val="accent1">
-              <a:shade val="50000"/>
-            </a:schemeClr>
-          </a:lnRef>
-          <a:fillRef idx="1">
-            <a:schemeClr val="accent1"/>
-          </a:fillRef>
-          <a:effectRef idx="0">
-            <a:schemeClr val="accent1"/>
-          </a:effectRef>
-          <a:fontRef idx="minor">
-            <a:schemeClr val="lt1"/>
-          </a:fontRef>
-        </p:style>
-        <p:txBody>
-          <a:bodyPr rtlCol="0" anchor="t"/>
-          <a:lstStyle/>
-          <a:p>
-            <a:r>
-              <a:rPr lang="en-US" sz="1600" dirty="0">
+              <a:rPr lang="en-US" sz="1400" dirty="0">
                 <a:solidFill>
                   <a:schemeClr val="tx1"/>
                 </a:solidFill>
@@ -4881,7 +4814,7 @@
           </a:p>
           <a:p>
             <a:r>
-              <a:rPr lang="en-US" sz="1600" dirty="0">
+              <a:rPr lang="en-US" sz="1400" dirty="0">
                 <a:solidFill>
                   <a:schemeClr val="tx1"/>
                 </a:solidFill>
@@ -4907,8 +4840,8 @@
         </p:nvSpPr>
         <p:spPr>
           <a:xfrm>
-            <a:off x="9833279" y="3209958"/>
-            <a:ext cx="2286000" cy="914400"/>
+            <a:off x="8701245" y="3343379"/>
+            <a:ext cx="1920240" cy="749483"/>
           </a:xfrm>
           <a:prstGeom prst="rect">
             <a:avLst/>
@@ -4941,7 +4874,7 @@
           <a:lstStyle/>
           <a:p>
             <a:r>
-              <a:rPr lang="en-US" sz="1600" dirty="0">
+              <a:rPr lang="en-US" sz="1400" dirty="0">
                 <a:solidFill>
                   <a:schemeClr val="bg1"/>
                 </a:solidFill>
@@ -4975,7 +4908,7 @@
         </p:blipFill>
         <p:spPr>
           <a:xfrm>
-            <a:off x="6304816" y="2988807"/>
+            <a:off x="10783681" y="3036972"/>
             <a:ext cx="1179507" cy="1362296"/>
           </a:xfrm>
           <a:prstGeom prst="rect">
@@ -5005,7 +4938,37 @@
         </p:blipFill>
         <p:spPr>
           <a:xfrm>
-            <a:off x="104693" y="4071174"/>
+            <a:off x="195324" y="3959020"/>
+            <a:ext cx="1179507" cy="1362296"/>
+          </a:xfrm>
+          <a:prstGeom prst="rect">
+            <a:avLst/>
+          </a:prstGeom>
+        </p:spPr>
+      </p:pic>
+      <p:pic>
+        <p:nvPicPr>
+          <p:cNvPr id="22" name="Picture 21" descr="Graphical user interface&#10;&#10;Description automatically generated with low confidence">
+            <a:extLst>
+              <a:ext uri="{FF2B5EF4-FFF2-40B4-BE49-F238E27FC236}">
+                <a16:creationId xmlns:a16="http://schemas.microsoft.com/office/drawing/2014/main" id="{20C56FEF-3DC3-F645-9424-3EB2E89F23F8}"/>
+              </a:ext>
+            </a:extLst>
+          </p:cNvPr>
+          <p:cNvPicPr>
+            <a:picLocks noChangeAspect="1"/>
+          </p:cNvPicPr>
+          <p:nvPr/>
+        </p:nvPicPr>
+        <p:blipFill>
+          <a:blip r:embed="rId3"/>
+          <a:stretch>
+            <a:fillRect/>
+          </a:stretch>
+        </p:blipFill>
+        <p:spPr>
+          <a:xfrm>
+            <a:off x="10783680" y="1236745"/>
             <a:ext cx="1179507" cy="1362296"/>
           </a:xfrm>
           <a:prstGeom prst="rect">
